--- a/powerpoint-project/کاربرد آمار در یادگیری ماشین.pptx
+++ b/powerpoint-project/کاربرد آمار در یادگیری ماشین.pptx
@@ -123,6 +123,11 @@
       </a:defRPr>
     </a:lvl9pPr>
   </p:defaultTextStyle>
+  <p:extLst>
+    <p:ext uri="{EFAFB233-063F-42B5-8137-9DF3F51BA10A}">
+      <p15:sldGuideLst xmlns:p15="http://schemas.microsoft.com/office/powerpoint/2012/main"/>
+    </p:ext>
+  </p:extLst>
 </p:presentation>
 </file>
 
@@ -848,7 +853,7 @@
           <a:p>
             <a:fld id="{4F275FFB-7340-478F-AAAA-9E13DB5CAE84}" type="datetimeFigureOut">
               <a:rPr lang="fa-IR" smtClean="0"/>
-              <a:t>24/05/1447</a:t>
+              <a:t>27/05/1447</a:t>
             </a:fld>
             <a:endParaRPr lang="fa-IR"/>
           </a:p>
@@ -1099,7 +1104,7 @@
           <a:p>
             <a:fld id="{4F275FFB-7340-478F-AAAA-9E13DB5CAE84}" type="datetimeFigureOut">
               <a:rPr lang="fa-IR" smtClean="0"/>
-              <a:t>24/05/1447</a:t>
+              <a:t>27/05/1447</a:t>
             </a:fld>
             <a:endParaRPr lang="fa-IR"/>
           </a:p>
@@ -1413,7 +1418,7 @@
           <a:p>
             <a:fld id="{4F275FFB-7340-478F-AAAA-9E13DB5CAE84}" type="datetimeFigureOut">
               <a:rPr lang="fa-IR" smtClean="0"/>
-              <a:t>24/05/1447</a:t>
+              <a:t>27/05/1447</a:t>
             </a:fld>
             <a:endParaRPr lang="fa-IR"/>
           </a:p>
@@ -1754,7 +1759,7 @@
           <a:p>
             <a:fld id="{4F275FFB-7340-478F-AAAA-9E13DB5CAE84}" type="datetimeFigureOut">
               <a:rPr lang="fa-IR" smtClean="0"/>
-              <a:t>24/05/1447</a:t>
+              <a:t>27/05/1447</a:t>
             </a:fld>
             <a:endParaRPr lang="fa-IR"/>
           </a:p>
@@ -2068,7 +2073,7 @@
           <a:p>
             <a:fld id="{4F275FFB-7340-478F-AAAA-9E13DB5CAE84}" type="datetimeFigureOut">
               <a:rPr lang="fa-IR" smtClean="0"/>
-              <a:t>24/05/1447</a:t>
+              <a:t>27/05/1447</a:t>
             </a:fld>
             <a:endParaRPr lang="fa-IR"/>
           </a:p>
@@ -2461,7 +2466,7 @@
           <a:p>
             <a:fld id="{4F275FFB-7340-478F-AAAA-9E13DB5CAE84}" type="datetimeFigureOut">
               <a:rPr lang="fa-IR" smtClean="0"/>
-              <a:t>24/05/1447</a:t>
+              <a:t>27/05/1447</a:t>
             </a:fld>
             <a:endParaRPr lang="fa-IR"/>
           </a:p>
@@ -2631,7 +2636,7 @@
           <a:p>
             <a:fld id="{4F275FFB-7340-478F-AAAA-9E13DB5CAE84}" type="datetimeFigureOut">
               <a:rPr lang="fa-IR" smtClean="0"/>
-              <a:t>24/05/1447</a:t>
+              <a:t>27/05/1447</a:t>
             </a:fld>
             <a:endParaRPr lang="fa-IR"/>
           </a:p>
@@ -2811,7 +2816,7 @@
           <a:p>
             <a:fld id="{4F275FFB-7340-478F-AAAA-9E13DB5CAE84}" type="datetimeFigureOut">
               <a:rPr lang="fa-IR" smtClean="0"/>
-              <a:t>24/05/1447</a:t>
+              <a:t>27/05/1447</a:t>
             </a:fld>
             <a:endParaRPr lang="fa-IR"/>
           </a:p>
@@ -2987,7 +2992,7 @@
           <a:p>
             <a:fld id="{4F275FFB-7340-478F-AAAA-9E13DB5CAE84}" type="datetimeFigureOut">
               <a:rPr lang="fa-IR" smtClean="0"/>
-              <a:t>24/05/1447</a:t>
+              <a:t>27/05/1447</a:t>
             </a:fld>
             <a:endParaRPr lang="fa-IR"/>
           </a:p>
@@ -3234,7 +3239,7 @@
           <a:p>
             <a:fld id="{4F275FFB-7340-478F-AAAA-9E13DB5CAE84}" type="datetimeFigureOut">
               <a:rPr lang="fa-IR" smtClean="0"/>
-              <a:t>24/05/1447</a:t>
+              <a:t>27/05/1447</a:t>
             </a:fld>
             <a:endParaRPr lang="fa-IR"/>
           </a:p>
@@ -3466,7 +3471,7 @@
           <a:p>
             <a:fld id="{4F275FFB-7340-478F-AAAA-9E13DB5CAE84}" type="datetimeFigureOut">
               <a:rPr lang="fa-IR" smtClean="0"/>
-              <a:t>24/05/1447</a:t>
+              <a:t>27/05/1447</a:t>
             </a:fld>
             <a:endParaRPr lang="fa-IR"/>
           </a:p>
@@ -3840,7 +3845,7 @@
           <a:p>
             <a:fld id="{4F275FFB-7340-478F-AAAA-9E13DB5CAE84}" type="datetimeFigureOut">
               <a:rPr lang="fa-IR" smtClean="0"/>
-              <a:t>24/05/1447</a:t>
+              <a:t>27/05/1447</a:t>
             </a:fld>
             <a:endParaRPr lang="fa-IR"/>
           </a:p>
@@ -3963,7 +3968,7 @@
           <a:p>
             <a:fld id="{4F275FFB-7340-478F-AAAA-9E13DB5CAE84}" type="datetimeFigureOut">
               <a:rPr lang="fa-IR" smtClean="0"/>
-              <a:t>24/05/1447</a:t>
+              <a:t>27/05/1447</a:t>
             </a:fld>
             <a:endParaRPr lang="fa-IR"/>
           </a:p>
@@ -4058,7 +4063,7 @@
           <a:p>
             <a:fld id="{4F275FFB-7340-478F-AAAA-9E13DB5CAE84}" type="datetimeFigureOut">
               <a:rPr lang="fa-IR" smtClean="0"/>
-              <a:t>24/05/1447</a:t>
+              <a:t>27/05/1447</a:t>
             </a:fld>
             <a:endParaRPr lang="fa-IR"/>
           </a:p>
@@ -4313,7 +4318,7 @@
           <a:p>
             <a:fld id="{4F275FFB-7340-478F-AAAA-9E13DB5CAE84}" type="datetimeFigureOut">
               <a:rPr lang="fa-IR" smtClean="0"/>
-              <a:t>24/05/1447</a:t>
+              <a:t>27/05/1447</a:t>
             </a:fld>
             <a:endParaRPr lang="fa-IR"/>
           </a:p>
@@ -4576,7 +4581,7 @@
           <a:p>
             <a:fld id="{4F275FFB-7340-478F-AAAA-9E13DB5CAE84}" type="datetimeFigureOut">
               <a:rPr lang="fa-IR" smtClean="0"/>
-              <a:t>24/05/1447</a:t>
+              <a:t>27/05/1447</a:t>
             </a:fld>
             <a:endParaRPr lang="fa-IR"/>
           </a:p>
@@ -5319,7 +5324,7 @@
           <a:p>
             <a:fld id="{4F275FFB-7340-478F-AAAA-9E13DB5CAE84}" type="datetimeFigureOut">
               <a:rPr lang="fa-IR" smtClean="0"/>
-              <a:t>24/05/1447</a:t>
+              <a:t>27/05/1447</a:t>
             </a:fld>
             <a:endParaRPr lang="fa-IR"/>
           </a:p>
@@ -6963,6 +6968,22 @@
               <a:rPr lang="fa-IR" dirty="0" err="1"/>
               <a:t>گرادیان</a:t>
             </a:r>
+            <a:r>
+              <a:rPr lang="fa-IR" dirty="0"/>
+              <a:t> </a:t>
+            </a:r>
+            <a:r>
+              <a:rPr lang="fa-IR" dirty="0" err="1"/>
+              <a:t>رگرسیون</a:t>
+            </a:r>
+            <a:r>
+              <a:rPr lang="fa-IR" dirty="0"/>
+              <a:t> </a:t>
+            </a:r>
+            <a:r>
+              <a:rPr lang="fa-IR" dirty="0" err="1"/>
+              <a:t>لجستیک</a:t>
+            </a:r>
             <a:endParaRPr lang="fa-IR" dirty="0"/>
           </a:p>
         </p:txBody>
@@ -7374,10 +7395,10 @@
       </p:sp>
       <p:pic>
         <p:nvPicPr>
-          <p:cNvPr id="5" name="Picture 4">
+          <p:cNvPr id="6" name="Picture 5">
             <a:extLst>
               <a:ext uri="{FF2B5EF4-FFF2-40B4-BE49-F238E27FC236}">
-                <a16:creationId xmlns:a16="http://schemas.microsoft.com/office/drawing/2014/main" id="{146AD8E1-FD80-AD8D-CF65-7C91D53AC6B5}"/>
+                <a16:creationId xmlns:a16="http://schemas.microsoft.com/office/drawing/2014/main" id="{A42FBB03-7420-C122-5616-B56B2952964D}"/>
               </a:ext>
             </a:extLst>
           </p:cNvPr>
@@ -7394,22 +7415,12 @@
         </p:blipFill>
         <p:spPr>
           <a:xfrm>
-            <a:off x="578844" y="2160589"/>
-            <a:ext cx="8695158" cy="3027778"/>
+            <a:off x="418678" y="1930400"/>
+            <a:ext cx="9107878" cy="3206814"/>
           </a:xfrm>
           <a:prstGeom prst="rect">
             <a:avLst/>
           </a:prstGeom>
-          <a:ln>
-            <a:noFill/>
-          </a:ln>
-          <a:effectLst>
-            <a:outerShdw blurRad="292100" dist="139700" dir="2700000" algn="tl" rotWithShape="0">
-              <a:srgbClr val="333333">
-                <a:alpha val="65000"/>
-              </a:srgbClr>
-            </a:outerShdw>
-          </a:effectLst>
         </p:spPr>
       </p:pic>
     </p:spTree>
